--- a/cache/c82632a4-56b6-4db4-9dd1-3820ee3388e4/31_2.pptx
+++ b/cache/c82632a4-56b6-4db4-9dd1-3820ee3388e4/31_2.pptx
@@ -64,7 +64,7 @@
         <p:txBody>
           <a:bodyPr/>
           <a:p>
-            <a:fld id="{5753E461-C722-4EFE-9E42-4A1DCEB7E2CE}" type="slidenum">
+            <a:fld id="{78AB3F0B-8697-433C-B751-DE19C9BD2EDD}" type="slidenum">
               <a:t>&lt;#&gt;</a:t>
             </a:fld>
           </a:p>
@@ -252,7 +252,7 @@
         <p:txBody>
           <a:bodyPr/>
           <a:p>
-            <a:fld id="{18F56F9D-87AC-48CB-82CB-0D9C8963C466}" type="slidenum">
+            <a:fld id="{39F150AC-6C11-4118-8F2E-1EDDF7567E82}" type="slidenum">
               <a:t>&lt;#&gt;</a:t>
             </a:fld>
           </a:p>
@@ -508,7 +508,7 @@
         <p:txBody>
           <a:bodyPr/>
           <a:p>
-            <a:fld id="{C74C12C0-8131-44D9-8FC4-37055C0A83DC}" type="slidenum">
+            <a:fld id="{A357A4FA-E379-4E76-AAAA-5CAD0C5B8E49}" type="slidenum">
               <a:t>&lt;#&gt;</a:t>
             </a:fld>
           </a:p>
@@ -832,7 +832,7 @@
         <p:txBody>
           <a:bodyPr/>
           <a:p>
-            <a:fld id="{57744416-59A1-4A7A-BF2F-6F45323FADD3}" type="slidenum">
+            <a:fld id="{01D5D6B1-36F3-4C21-A0B1-DD864D27A5D1}" type="slidenum">
               <a:t>&lt;#&gt;</a:t>
             </a:fld>
           </a:p>
@@ -989,7 +989,7 @@
         <p:txBody>
           <a:bodyPr/>
           <a:p>
-            <a:fld id="{2CD5EDE9-458F-455D-9DB4-EAE869F2C61D}" type="slidenum">
+            <a:fld id="{6D4C5C70-A481-4A16-AC91-18BA6942AA6B}" type="slidenum">
               <a:t>&lt;#&gt;</a:t>
             </a:fld>
           </a:p>
@@ -1143,7 +1143,7 @@
         <p:txBody>
           <a:bodyPr/>
           <a:p>
-            <a:fld id="{CF4EB802-F4AF-4EEE-866D-BB4A0586F40A}" type="slidenum">
+            <a:fld id="{0A4FA77A-11D9-4781-9183-D5ED50E3D34F}" type="slidenum">
               <a:t>&lt;#&gt;</a:t>
             </a:fld>
           </a:p>
@@ -1331,7 +1331,7 @@
         <p:txBody>
           <a:bodyPr/>
           <a:p>
-            <a:fld id="{C33D1A35-5883-4816-835E-AA047785A0B9}" type="slidenum">
+            <a:fld id="{7E497B9A-8DF3-452D-9A6D-AA69AB758AD0}" type="slidenum">
               <a:t>&lt;#&gt;</a:t>
             </a:fld>
           </a:p>
@@ -1451,7 +1451,7 @@
         <p:txBody>
           <a:bodyPr/>
           <a:p>
-            <a:fld id="{B9BAE0D2-72AE-43A9-B255-BA22EF6314FB}" type="slidenum">
+            <a:fld id="{4464DBAF-6402-4571-A5F4-9C4FF1BA0720}" type="slidenum">
               <a:t>&lt;#&gt;</a:t>
             </a:fld>
           </a:p>
@@ -1571,7 +1571,7 @@
         <p:txBody>
           <a:bodyPr/>
           <a:p>
-            <a:fld id="{50D1C9CB-FF1F-4AA8-A0B8-9261C60CEB0D}" type="slidenum">
+            <a:fld id="{30CF05DB-EC60-4F16-B8B0-75322948BF40}" type="slidenum">
               <a:t>&lt;#&gt;</a:t>
             </a:fld>
           </a:p>
@@ -1793,7 +1793,7 @@
         <p:txBody>
           <a:bodyPr/>
           <a:p>
-            <a:fld id="{E0B7C06F-2ABE-4CC8-9F60-6F6D4A941CDD}" type="slidenum">
+            <a:fld id="{CFF24C9B-2C79-44D4-B8BA-D3BFB5CE2FAE}" type="slidenum">
               <a:t>&lt;#&gt;</a:t>
             </a:fld>
           </a:p>
@@ -2015,7 +2015,7 @@
         <p:txBody>
           <a:bodyPr/>
           <a:p>
-            <a:fld id="{561D7A7C-0143-44B4-9DE5-CCAC5B983CF2}" type="slidenum">
+            <a:fld id="{98961101-C2DF-4D32-834A-FCF0568591DE}" type="slidenum">
               <a:t>&lt;#&gt;</a:t>
             </a:fld>
           </a:p>
@@ -2237,7 +2237,7 @@
         <p:txBody>
           <a:bodyPr/>
           <a:p>
-            <a:fld id="{60E8C322-0869-4CAC-B9A9-E3F610A954D5}" type="slidenum">
+            <a:fld id="{4DF9C2B1-6813-4FE1-AECB-3BEAF87732EA}" type="slidenum">
               <a:t>&lt;#&gt;</a:t>
             </a:fld>
           </a:p>
@@ -2398,7 +2398,7 @@
               </a:lnSpc>
               <a:buNone/>
             </a:pPr>
-            <a:fld id="{E56766A6-3D91-4C9F-AB75-F95578C2881D}" type="slidenum">
+            <a:fld id="{7B264B83-F64E-400A-B311-6E9BE3A1B582}" type="slidenum">
               <a:rPr b="0" lang="en-US" sz="1200" spc="-1" strike="noStrike">
                 <a:solidFill>
                   <a:srgbClr val="8b8b8b"/>

--- a/cache/c82632a4-56b6-4db4-9dd1-3820ee3388e4/31_2.pptx
+++ b/cache/c82632a4-56b6-4db4-9dd1-3820ee3388e4/31_2.pptx
@@ -64,7 +64,7 @@
         <p:txBody>
           <a:bodyPr/>
           <a:p>
-            <a:fld id="{78AB3F0B-8697-433C-B751-DE19C9BD2EDD}" type="slidenum">
+            <a:fld id="{2CC18C91-9F4D-4E25-90B0-9E61C67069AD}" type="slidenum">
               <a:t>&lt;#&gt;</a:t>
             </a:fld>
           </a:p>
@@ -252,7 +252,7 @@
         <p:txBody>
           <a:bodyPr/>
           <a:p>
-            <a:fld id="{39F150AC-6C11-4118-8F2E-1EDDF7567E82}" type="slidenum">
+            <a:fld id="{11BF811F-1BB6-4C54-9500-92209D07482D}" type="slidenum">
               <a:t>&lt;#&gt;</a:t>
             </a:fld>
           </a:p>
@@ -508,7 +508,7 @@
         <p:txBody>
           <a:bodyPr/>
           <a:p>
-            <a:fld id="{A357A4FA-E379-4E76-AAAA-5CAD0C5B8E49}" type="slidenum">
+            <a:fld id="{22736321-EFEA-4390-B9B3-9328EABBF553}" type="slidenum">
               <a:t>&lt;#&gt;</a:t>
             </a:fld>
           </a:p>
@@ -832,7 +832,7 @@
         <p:txBody>
           <a:bodyPr/>
           <a:p>
-            <a:fld id="{01D5D6B1-36F3-4C21-A0B1-DD864D27A5D1}" type="slidenum">
+            <a:fld id="{AC4FEC6E-E21A-4D55-986A-685400C6AB31}" type="slidenum">
               <a:t>&lt;#&gt;</a:t>
             </a:fld>
           </a:p>
@@ -989,7 +989,7 @@
         <p:txBody>
           <a:bodyPr/>
           <a:p>
-            <a:fld id="{6D4C5C70-A481-4A16-AC91-18BA6942AA6B}" type="slidenum">
+            <a:fld id="{A95ED97F-677D-428E-AEE5-564C14322EFC}" type="slidenum">
               <a:t>&lt;#&gt;</a:t>
             </a:fld>
           </a:p>
@@ -1143,7 +1143,7 @@
         <p:txBody>
           <a:bodyPr/>
           <a:p>
-            <a:fld id="{0A4FA77A-11D9-4781-9183-D5ED50E3D34F}" type="slidenum">
+            <a:fld id="{341C87FF-DB2A-401A-9AA7-C7794444F033}" type="slidenum">
               <a:t>&lt;#&gt;</a:t>
             </a:fld>
           </a:p>
@@ -1331,7 +1331,7 @@
         <p:txBody>
           <a:bodyPr/>
           <a:p>
-            <a:fld id="{7E497B9A-8DF3-452D-9A6D-AA69AB758AD0}" type="slidenum">
+            <a:fld id="{F0CC30C9-5E70-46EA-8947-E1FC3505EDFD}" type="slidenum">
               <a:t>&lt;#&gt;</a:t>
             </a:fld>
           </a:p>
@@ -1451,7 +1451,7 @@
         <p:txBody>
           <a:bodyPr/>
           <a:p>
-            <a:fld id="{4464DBAF-6402-4571-A5F4-9C4FF1BA0720}" type="slidenum">
+            <a:fld id="{1A7A318F-35B3-4E99-A39F-7785F942ED08}" type="slidenum">
               <a:t>&lt;#&gt;</a:t>
             </a:fld>
           </a:p>
@@ -1571,7 +1571,7 @@
         <p:txBody>
           <a:bodyPr/>
           <a:p>
-            <a:fld id="{30CF05DB-EC60-4F16-B8B0-75322948BF40}" type="slidenum">
+            <a:fld id="{C5B10733-7158-4998-A49B-F34C62AA888D}" type="slidenum">
               <a:t>&lt;#&gt;</a:t>
             </a:fld>
           </a:p>
@@ -1793,7 +1793,7 @@
         <p:txBody>
           <a:bodyPr/>
           <a:p>
-            <a:fld id="{CFF24C9B-2C79-44D4-B8BA-D3BFB5CE2FAE}" type="slidenum">
+            <a:fld id="{B1D0B2C1-32B5-49F0-9AF0-0FF55628563E}" type="slidenum">
               <a:t>&lt;#&gt;</a:t>
             </a:fld>
           </a:p>
@@ -2015,7 +2015,7 @@
         <p:txBody>
           <a:bodyPr/>
           <a:p>
-            <a:fld id="{98961101-C2DF-4D32-834A-FCF0568591DE}" type="slidenum">
+            <a:fld id="{19258168-446C-4656-9020-C55D364AA2E5}" type="slidenum">
               <a:t>&lt;#&gt;</a:t>
             </a:fld>
           </a:p>
@@ -2237,7 +2237,7 @@
         <p:txBody>
           <a:bodyPr/>
           <a:p>
-            <a:fld id="{4DF9C2B1-6813-4FE1-AECB-3BEAF87732EA}" type="slidenum">
+            <a:fld id="{51A99D90-C22C-4DCE-9644-02F190143D08}" type="slidenum">
               <a:t>&lt;#&gt;</a:t>
             </a:fld>
           </a:p>
@@ -2398,7 +2398,7 @@
               </a:lnSpc>
               <a:buNone/>
             </a:pPr>
-            <a:fld id="{7B264B83-F64E-400A-B311-6E9BE3A1B582}" type="slidenum">
+            <a:fld id="{79868A5D-B807-48F6-8E5F-DDB5117C1AAE}" type="slidenum">
               <a:rPr b="0" lang="en-US" sz="1200" spc="-1" strike="noStrike">
                 <a:solidFill>
                   <a:srgbClr val="8b8b8b"/>
